--- a/AdditionalMaterials/BookPPTs/Chap2.pptx
+++ b/AdditionalMaterials/BookPPTs/Chap2.pptx
@@ -71,9 +71,9 @@
     <p:sldId id="334" r:id="rId65"/>
     <p:sldId id="336" r:id="rId66"/>
     <p:sldId id="335" r:id="rId67"/>
-    <p:sldId id="337" r:id="rId68"/>
-    <p:sldId id="338" r:id="rId69"/>
-    <p:sldId id="347" r:id="rId70"/>
+    <p:sldId id="347" r:id="rId68"/>
+    <p:sldId id="375" r:id="rId69"/>
+    <p:sldId id="372" r:id="rId70"/>
     <p:sldId id="339" r:id="rId71"/>
     <p:sldId id="340" r:id="rId72"/>
     <p:sldId id="365" r:id="rId73"/>
@@ -608,7 +608,7 @@
           <a:p>
             <a:fld id="{0E6BA319-05E9-49EE-8F99-CA1240CA2757}" type="datetimeFigureOut">
               <a:rPr lang="en-US" smtClean="0"/>
-              <a:t>7/25/2016</a:t>
+              <a:t>1/7/2019</a:t>
             </a:fld>
             <a:endParaRPr lang="en-US"/>
           </a:p>
@@ -812,7 +812,7 @@
           <a:p>
             <a:fld id="{0E6BA319-05E9-49EE-8F99-CA1240CA2757}" type="datetimeFigureOut">
               <a:rPr lang="en-US" smtClean="0"/>
-              <a:t>7/25/2016</a:t>
+              <a:t>1/7/2019</a:t>
             </a:fld>
             <a:endParaRPr lang="en-US"/>
           </a:p>
@@ -1567,7 +1567,7 @@
           <a:p>
             <a:fld id="{0E6BA319-05E9-49EE-8F99-CA1240CA2757}" type="datetimeFigureOut">
               <a:rPr lang="en-US" smtClean="0"/>
-              <a:t>7/25/2016</a:t>
+              <a:t>1/7/2019</a:t>
             </a:fld>
             <a:endParaRPr lang="en-US"/>
           </a:p>
@@ -1823,7 +1823,7 @@
           <a:p>
             <a:fld id="{0E6BA319-05E9-49EE-8F99-CA1240CA2757}" type="datetimeFigureOut">
               <a:rPr lang="en-US" smtClean="0"/>
-              <a:t>7/25/2016</a:t>
+              <a:t>1/7/2019</a:t>
             </a:fld>
             <a:endParaRPr lang="en-US"/>
           </a:p>
@@ -2214,7 +2214,7 @@
           <a:p>
             <a:fld id="{0E6BA319-05E9-49EE-8F99-CA1240CA2757}" type="datetimeFigureOut">
               <a:rPr lang="en-US" smtClean="0"/>
-              <a:t>7/25/2016</a:t>
+              <a:t>1/7/2019</a:t>
             </a:fld>
             <a:endParaRPr lang="en-US"/>
           </a:p>
@@ -2356,7 +2356,7 @@
           <a:p>
             <a:fld id="{0E6BA319-05E9-49EE-8F99-CA1240CA2757}" type="datetimeFigureOut">
               <a:rPr lang="en-US" smtClean="0"/>
-              <a:t>7/25/2016</a:t>
+              <a:t>1/7/2019</a:t>
             </a:fld>
             <a:endParaRPr lang="en-US"/>
           </a:p>
@@ -2475,7 +2475,7 @@
           <a:p>
             <a:fld id="{0E6BA319-05E9-49EE-8F99-CA1240CA2757}" type="datetimeFigureOut">
               <a:rPr lang="en-US" smtClean="0"/>
-              <a:t>7/25/2016</a:t>
+              <a:t>1/7/2019</a:t>
             </a:fld>
             <a:endParaRPr lang="en-US"/>
           </a:p>
@@ -2776,7 +2776,7 @@
           <a:p>
             <a:fld id="{0E6BA319-05E9-49EE-8F99-CA1240CA2757}" type="datetimeFigureOut">
               <a:rPr lang="en-US" smtClean="0"/>
-              <a:t>7/25/2016</a:t>
+              <a:t>1/7/2019</a:t>
             </a:fld>
             <a:endParaRPr lang="en-US"/>
           </a:p>
@@ -3053,7 +3053,7 @@
           <a:p>
             <a:fld id="{0E6BA319-05E9-49EE-8F99-CA1240CA2757}" type="datetimeFigureOut">
               <a:rPr lang="en-US" smtClean="0"/>
-              <a:t>7/25/2016</a:t>
+              <a:t>1/7/2019</a:t>
             </a:fld>
             <a:endParaRPr lang="en-US"/>
           </a:p>
@@ -13578,15 +13578,7 @@
                   <a:schemeClr val="tx1"/>
                 </a:solidFill>
               </a:rPr>
-              <a:t>Define unit square and load to GPU (in </a:t>
-            </a:r>
-            <a:r>
-              <a:rPr lang="en-US" sz="2000" dirty="0" smtClean="0">
-                <a:solidFill>
-                  <a:schemeClr val="tx1"/>
-                </a:solidFill>
-              </a:rPr>
-              <a:t>VertexBuffer.js)</a:t>
+              <a:t>Define unit square and load to GPU (in VertexBuffer.js)</a:t>
             </a:r>
             <a:br>
               <a:rPr lang="en-US" sz="2000" dirty="0" smtClean="0">
@@ -13611,15 +13603,7 @@
                   <a:schemeClr val="tx1"/>
                 </a:solidFill>
               </a:rPr>
-              <a:t>Load</a:t>
-            </a:r>
-            <a:r>
-              <a:rPr lang="en-US" sz="2000" dirty="0" smtClean="0">
-                <a:solidFill>
-                  <a:schemeClr val="tx1"/>
-                </a:solidFill>
-              </a:rPr>
-              <a:t>, compile, GLSL programs and bind to the unit square geometry (in ShaderSupport.js)</a:t>
+              <a:t>Load, compile, GLSL programs and bind to the unit square geometry (in ShaderSupport.js)</a:t>
             </a:r>
             <a:endParaRPr lang="en-US" sz="2000" dirty="0">
               <a:solidFill>
@@ -14670,15 +14654,7 @@
             <a:pPr lvl="2"/>
             <a:r>
               <a:rPr lang="en-US" dirty="0" smtClean="0"/>
-              <a:t>Does not support hiding of information </a:t>
-            </a:r>
-            <a:r>
-              <a:rPr lang="en-US" dirty="0" smtClean="0"/>
-              <a:t>or increase </a:t>
-            </a:r>
-            <a:r>
-              <a:rPr lang="en-US" dirty="0" smtClean="0"/>
-              <a:t>in complexity</a:t>
+              <a:t>Does not support hiding of information or increase in complexity</a:t>
             </a:r>
           </a:p>
           <a:p>
@@ -18718,6 +18694,13 @@
   <p:clrMapOvr>
     <a:masterClrMapping/>
   </p:clrMapOvr>
+  <p:timing>
+    <p:tnLst>
+      <p:par>
+        <p:cTn id="1" dur="indefinite" restart="never" nodeType="tmRoot"/>
+      </p:par>
+    </p:tnLst>
+  </p:timing>
 </p:sld>
 </file>
 
@@ -18738,40 +18721,9 @@
           <a:chExt cx="0" cy="0"/>
         </a:xfrm>
       </p:grpSpPr>
-      <p:sp>
-        <p:nvSpPr>
-          <p:cNvPr id="2" name="Title 1"/>
-          <p:cNvSpPr>
-            <a:spLocks noGrp="1"/>
-          </p:cNvSpPr>
-          <p:nvPr>
-            <p:ph type="title"/>
-          </p:nvPr>
-        </p:nvSpPr>
-        <p:spPr/>
-        <p:txBody>
-          <a:bodyPr/>
-          <a:lstStyle/>
-          <a:p>
-            <a:r>
-              <a:rPr lang="en-US" dirty="0" smtClean="0"/>
-              <a:t>2.4: The </a:t>
-            </a:r>
-            <a:r>
-              <a:rPr lang="en-US" dirty="0" err="1" smtClean="0"/>
-              <a:t>SimpleShader</a:t>
-            </a:r>
-            <a:r>
-              <a:rPr lang="en-US" dirty="0" smtClean="0"/>
-              <a:t> object</a:t>
-            </a:r>
-            <a:endParaRPr lang="en-US" dirty="0"/>
-          </a:p>
-        </p:txBody>
-      </p:sp>
       <p:pic>
         <p:nvPicPr>
-          <p:cNvPr id="4" name="Content Placeholder 3" descr="Screen Clipping"/>
+          <p:cNvPr id="11" name="Content Placeholder 10"/>
           <p:cNvPicPr>
             <a:picLocks noGrp="1" noChangeAspect="1"/>
           </p:cNvPicPr>
@@ -18793,20 +18745,51 @@
         </p:blipFill>
         <p:spPr>
           <a:xfrm>
-            <a:off x="880791" y="1291751"/>
-            <a:ext cx="8598300" cy="5451021"/>
+            <a:off x="392646" y="1601100"/>
+            <a:ext cx="11406707" cy="3772760"/>
           </a:xfrm>
         </p:spPr>
       </p:pic>
       <p:sp>
         <p:nvSpPr>
-          <p:cNvPr id="5" name="Round Diagonal Corner Rectangle 4"/>
+          <p:cNvPr id="2" name="Title 1"/>
+          <p:cNvSpPr>
+            <a:spLocks noGrp="1"/>
+          </p:cNvSpPr>
+          <p:nvPr>
+            <p:ph type="title"/>
+          </p:nvPr>
+        </p:nvSpPr>
+        <p:spPr/>
+        <p:txBody>
+          <a:bodyPr/>
+          <a:lstStyle/>
+          <a:p>
+            <a:r>
+              <a:rPr lang="en-US" dirty="0" smtClean="0"/>
+              <a:t>2.4: The </a:t>
+            </a:r>
+            <a:r>
+              <a:rPr lang="en-US" dirty="0" err="1" smtClean="0"/>
+              <a:t>SimpleShader</a:t>
+            </a:r>
+            <a:r>
+              <a:rPr lang="en-US" dirty="0" smtClean="0"/>
+              <a:t> object</a:t>
+            </a:r>
+            <a:endParaRPr lang="en-US" dirty="0"/>
+          </a:p>
+        </p:txBody>
+      </p:sp>
+      <p:sp>
+        <p:nvSpPr>
+          <p:cNvPr id="14" name="Round Diagonal Corner Rectangle 13"/>
           <p:cNvSpPr/>
           <p:nvPr/>
         </p:nvSpPr>
         <p:spPr>
           <a:xfrm>
-            <a:off x="7387252" y="1220227"/>
+            <a:off x="8283364" y="1238515"/>
             <a:ext cx="2983519" cy="631483"/>
           </a:xfrm>
           <a:prstGeom prst="round2DiagRect">
@@ -18861,13 +18844,20 @@
     </p:spTree>
     <p:extLst>
       <p:ext uri="{BB962C8B-B14F-4D97-AF65-F5344CB8AC3E}">
-        <p14:creationId xmlns:p14="http://schemas.microsoft.com/office/powerpoint/2010/main" val="3925523481"/>
+        <p14:creationId xmlns:p14="http://schemas.microsoft.com/office/powerpoint/2010/main" val="676108223"/>
       </p:ext>
     </p:extLst>
   </p:cSld>
   <p:clrMapOvr>
     <a:masterClrMapping/>
   </p:clrMapOvr>
+  <p:timing>
+    <p:tnLst>
+      <p:par>
+        <p:cTn id="1" dur="indefinite" restart="never" nodeType="tmRoot"/>
+      </p:par>
+    </p:tnLst>
+  </p:timing>
 </p:sld>
 </file>
 
@@ -18888,40 +18878,9 @@
           <a:chExt cx="0" cy="0"/>
         </a:xfrm>
       </p:grpSpPr>
-      <p:sp>
-        <p:nvSpPr>
-          <p:cNvPr id="2" name="Title 1"/>
-          <p:cNvSpPr>
-            <a:spLocks noGrp="1"/>
-          </p:cNvSpPr>
-          <p:nvPr>
-            <p:ph type="title"/>
-          </p:nvPr>
-        </p:nvSpPr>
-        <p:spPr/>
-        <p:txBody>
-          <a:bodyPr/>
-          <a:lstStyle/>
-          <a:p>
-            <a:r>
-              <a:rPr lang="en-US" dirty="0" smtClean="0"/>
-              <a:t>2.4: The </a:t>
-            </a:r>
-            <a:r>
-              <a:rPr lang="en-US" dirty="0" err="1" smtClean="0"/>
-              <a:t>SimpleShader</a:t>
-            </a:r>
-            <a:r>
-              <a:rPr lang="en-US" dirty="0" smtClean="0"/>
-              <a:t> object</a:t>
-            </a:r>
-            <a:endParaRPr lang="en-US" dirty="0"/>
-          </a:p>
-        </p:txBody>
-      </p:sp>
       <p:pic>
         <p:nvPicPr>
-          <p:cNvPr id="4" name="Content Placeholder 3" descr="Screen Clipping"/>
+          <p:cNvPr id="11" name="Content Placeholder 10"/>
           <p:cNvPicPr>
             <a:picLocks noGrp="1" noChangeAspect="1"/>
           </p:cNvPicPr>
@@ -18943,11 +18902,42 @@
         </p:blipFill>
         <p:spPr>
           <a:xfrm>
-            <a:off x="880791" y="1291751"/>
-            <a:ext cx="8598300" cy="5451021"/>
+            <a:off x="392646" y="1601100"/>
+            <a:ext cx="11406707" cy="3772760"/>
           </a:xfrm>
         </p:spPr>
       </p:pic>
+      <p:sp>
+        <p:nvSpPr>
+          <p:cNvPr id="2" name="Title 1"/>
+          <p:cNvSpPr>
+            <a:spLocks noGrp="1"/>
+          </p:cNvSpPr>
+          <p:nvPr>
+            <p:ph type="title"/>
+          </p:nvPr>
+        </p:nvSpPr>
+        <p:spPr/>
+        <p:txBody>
+          <a:bodyPr/>
+          <a:lstStyle/>
+          <a:p>
+            <a:r>
+              <a:rPr lang="en-US" dirty="0" smtClean="0"/>
+              <a:t>2.4: The </a:t>
+            </a:r>
+            <a:r>
+              <a:rPr lang="en-US" dirty="0" err="1" smtClean="0"/>
+              <a:t>SimpleShader</a:t>
+            </a:r>
+            <a:r>
+              <a:rPr lang="en-US" dirty="0" smtClean="0"/>
+              <a:t> object</a:t>
+            </a:r>
+            <a:endParaRPr lang="en-US" dirty="0"/>
+          </a:p>
+        </p:txBody>
+      </p:sp>
       <p:sp>
         <p:nvSpPr>
           <p:cNvPr id="5" name="Rounded Rectangle 4"/>
@@ -18956,8 +18946,8 @@
         </p:nvSpPr>
         <p:spPr>
           <a:xfrm>
-            <a:off x="724569" y="1235291"/>
-            <a:ext cx="5914769" cy="1382023"/>
+            <a:off x="320517" y="1601100"/>
+            <a:ext cx="6657414" cy="1382023"/>
           </a:xfrm>
           <a:prstGeom prst="roundRect">
             <a:avLst/>
@@ -19003,7 +18993,7 @@
         </p:nvSpPr>
         <p:spPr>
           <a:xfrm>
-            <a:off x="5599044" y="1785293"/>
+            <a:off x="6818885" y="1869998"/>
             <a:ext cx="4447998" cy="1292998"/>
           </a:xfrm>
           <a:prstGeom prst="roundRect">
@@ -19089,16 +19079,83 @@
           </a:p>
         </p:txBody>
       </p:sp>
+      <p:sp>
+        <p:nvSpPr>
+          <p:cNvPr id="8" name="Round Diagonal Corner Rectangle 7"/>
+          <p:cNvSpPr/>
+          <p:nvPr/>
+        </p:nvSpPr>
+        <p:spPr>
+          <a:xfrm>
+            <a:off x="8283364" y="1238515"/>
+            <a:ext cx="2983519" cy="631483"/>
+          </a:xfrm>
+          <a:prstGeom prst="round2DiagRect">
+            <a:avLst>
+              <a:gd name="adj1" fmla="val 50000"/>
+              <a:gd name="adj2" fmla="val 0"/>
+            </a:avLst>
+          </a:prstGeom>
+          <a:solidFill>
+            <a:schemeClr val="bg2">
+              <a:lumMod val="90000"/>
+            </a:schemeClr>
+          </a:solidFill>
+        </p:spPr>
+        <p:style>
+          <a:lnRef idx="2">
+            <a:schemeClr val="dk1">
+              <a:shade val="50000"/>
+            </a:schemeClr>
+          </a:lnRef>
+          <a:fillRef idx="1">
+            <a:schemeClr val="dk1"/>
+          </a:fillRef>
+          <a:effectRef idx="0">
+            <a:schemeClr val="dk1"/>
+          </a:effectRef>
+          <a:fontRef idx="minor">
+            <a:schemeClr val="lt1"/>
+          </a:fontRef>
+        </p:style>
+        <p:txBody>
+          <a:bodyPr rtlCol="0" anchor="ctr"/>
+          <a:lstStyle/>
+          <a:p>
+            <a:pPr algn="ctr"/>
+            <a:r>
+              <a:rPr lang="en-US" sz="2000" dirty="0" smtClean="0">
+                <a:solidFill>
+                  <a:schemeClr val="tx1"/>
+                </a:solidFill>
+              </a:rPr>
+              <a:t>SimpleShader.js</a:t>
+            </a:r>
+            <a:endParaRPr lang="en-US" sz="2000" dirty="0">
+              <a:solidFill>
+                <a:schemeClr val="tx1"/>
+              </a:solidFill>
+            </a:endParaRPr>
+          </a:p>
+        </p:txBody>
+      </p:sp>
     </p:spTree>
     <p:extLst>
       <p:ext uri="{BB962C8B-B14F-4D97-AF65-F5344CB8AC3E}">
-        <p14:creationId xmlns:p14="http://schemas.microsoft.com/office/powerpoint/2010/main" val="2480634280"/>
+        <p14:creationId xmlns:p14="http://schemas.microsoft.com/office/powerpoint/2010/main" val="2592505169"/>
       </p:ext>
     </p:extLst>
   </p:cSld>
   <p:clrMapOvr>
     <a:masterClrMapping/>
   </p:clrMapOvr>
+  <p:timing>
+    <p:tnLst>
+      <p:par>
+        <p:cTn id="1" dur="indefinite" restart="never" nodeType="tmRoot"/>
+      </p:par>
+    </p:tnLst>
+  </p:timing>
 </p:sld>
 </file>
 
@@ -19119,40 +19176,9 @@
           <a:chExt cx="0" cy="0"/>
         </a:xfrm>
       </p:grpSpPr>
-      <p:sp>
-        <p:nvSpPr>
-          <p:cNvPr id="2" name="Title 1"/>
-          <p:cNvSpPr>
-            <a:spLocks noGrp="1"/>
-          </p:cNvSpPr>
-          <p:nvPr>
-            <p:ph type="title"/>
-          </p:nvPr>
-        </p:nvSpPr>
-        <p:spPr/>
-        <p:txBody>
-          <a:bodyPr/>
-          <a:lstStyle/>
-          <a:p>
-            <a:r>
-              <a:rPr lang="en-US" dirty="0" smtClean="0"/>
-              <a:t>2.4: The </a:t>
-            </a:r>
-            <a:r>
-              <a:rPr lang="en-US" dirty="0" err="1" smtClean="0"/>
-              <a:t>SimpleShader</a:t>
-            </a:r>
-            <a:r>
-              <a:rPr lang="en-US" dirty="0" smtClean="0"/>
-              <a:t> object</a:t>
-            </a:r>
-            <a:endParaRPr lang="en-US" dirty="0"/>
-          </a:p>
-        </p:txBody>
-      </p:sp>
       <p:pic>
         <p:nvPicPr>
-          <p:cNvPr id="4" name="Content Placeholder 3" descr="Screen Clipping"/>
+          <p:cNvPr id="11" name="Content Placeholder 10"/>
           <p:cNvPicPr>
             <a:picLocks noGrp="1" noChangeAspect="1"/>
           </p:cNvPicPr>
@@ -19174,11 +19200,42 @@
         </p:blipFill>
         <p:spPr>
           <a:xfrm>
-            <a:off x="880791" y="1291751"/>
-            <a:ext cx="8598300" cy="5451021"/>
+            <a:off x="392646" y="1601100"/>
+            <a:ext cx="11406707" cy="3772760"/>
           </a:xfrm>
         </p:spPr>
       </p:pic>
+      <p:sp>
+        <p:nvSpPr>
+          <p:cNvPr id="2" name="Title 1"/>
+          <p:cNvSpPr>
+            <a:spLocks noGrp="1"/>
+          </p:cNvSpPr>
+          <p:nvPr>
+            <p:ph type="title"/>
+          </p:nvPr>
+        </p:nvSpPr>
+        <p:spPr/>
+        <p:txBody>
+          <a:bodyPr/>
+          <a:lstStyle/>
+          <a:p>
+            <a:r>
+              <a:rPr lang="en-US" dirty="0" smtClean="0"/>
+              <a:t>2.4: The </a:t>
+            </a:r>
+            <a:r>
+              <a:rPr lang="en-US" dirty="0" err="1" smtClean="0"/>
+              <a:t>SimpleShader</a:t>
+            </a:r>
+            <a:r>
+              <a:rPr lang="en-US" dirty="0" smtClean="0"/>
+              <a:t> object</a:t>
+            </a:r>
+            <a:endParaRPr lang="en-US" dirty="0"/>
+          </a:p>
+        </p:txBody>
+      </p:sp>
       <p:sp>
         <p:nvSpPr>
           <p:cNvPr id="5" name="Rounded Rectangle 4"/>
@@ -19187,8 +19244,8 @@
         </p:nvSpPr>
         <p:spPr>
           <a:xfrm>
-            <a:off x="724569" y="1235291"/>
-            <a:ext cx="5914769" cy="1382023"/>
+            <a:off x="320517" y="1601100"/>
+            <a:ext cx="6657414" cy="1382023"/>
           </a:xfrm>
           <a:prstGeom prst="roundRect">
             <a:avLst/>
@@ -19228,173 +19285,13 @@
       </p:sp>
       <p:sp>
         <p:nvSpPr>
-          <p:cNvPr id="6" name="Rounded Rectangle 5"/>
-          <p:cNvSpPr/>
-          <p:nvPr/>
-        </p:nvSpPr>
-        <p:spPr>
-          <a:xfrm>
-            <a:off x="5599044" y="1785293"/>
-            <a:ext cx="4447998" cy="1292998"/>
-          </a:xfrm>
-          <a:prstGeom prst="roundRect">
-            <a:avLst/>
-          </a:prstGeom>
-          <a:solidFill>
-            <a:schemeClr val="accent4">
-              <a:lumMod val="40000"/>
-              <a:lumOff val="60000"/>
-            </a:schemeClr>
-          </a:solidFill>
-        </p:spPr>
-        <p:style>
-          <a:lnRef idx="2">
-            <a:schemeClr val="accent1">
-              <a:shade val="50000"/>
-            </a:schemeClr>
-          </a:lnRef>
-          <a:fillRef idx="1">
-            <a:schemeClr val="accent1"/>
-          </a:fillRef>
-          <a:effectRef idx="0">
-            <a:schemeClr val="accent1"/>
-          </a:effectRef>
-          <a:fontRef idx="minor">
-            <a:schemeClr val="lt1"/>
-          </a:fontRef>
-        </p:style>
-        <p:txBody>
-          <a:bodyPr rtlCol="0" anchor="ctr"/>
-          <a:lstStyle/>
-          <a:p>
-            <a:pPr marL="342900" indent="-342900">
-              <a:buFont typeface="Arial" panose="020B0604020202020204" pitchFamily="34" charset="0"/>
-              <a:buChar char="•"/>
-            </a:pPr>
-            <a:r>
-              <a:rPr lang="en-US" sz="2000" dirty="0" smtClean="0">
-                <a:solidFill>
-                  <a:schemeClr val="tx1"/>
-                </a:solidFill>
-              </a:rPr>
-              <a:t>Constructor of </a:t>
-            </a:r>
-            <a:r>
-              <a:rPr lang="en-US" sz="2000" b="1" dirty="0" err="1" smtClean="0">
-                <a:solidFill>
-                  <a:schemeClr val="tx1"/>
-                </a:solidFill>
-              </a:rPr>
-              <a:t>SimpleShader</a:t>
-            </a:r>
-            <a:r>
-              <a:rPr lang="en-US" sz="2000" b="1" dirty="0" smtClean="0">
-                <a:solidFill>
-                  <a:schemeClr val="tx1"/>
-                </a:solidFill>
-              </a:rPr>
-              <a:t> </a:t>
-            </a:r>
-            <a:r>
-              <a:rPr lang="en-US" sz="2000" dirty="0" smtClean="0">
-                <a:solidFill>
-                  <a:schemeClr val="tx1"/>
-                </a:solidFill>
-              </a:rPr>
-              <a:t>object</a:t>
-            </a:r>
-          </a:p>
-          <a:p>
-            <a:pPr marL="342900" indent="-342900">
-              <a:buFont typeface="Arial" panose="020B0604020202020204" pitchFamily="34" charset="0"/>
-              <a:buChar char="•"/>
-            </a:pPr>
-            <a:r>
-              <a:rPr lang="en-US" sz="2000" dirty="0" smtClean="0">
-                <a:solidFill>
-                  <a:schemeClr val="tx1"/>
-                </a:solidFill>
-              </a:rPr>
-              <a:t>Notice the instance variables</a:t>
-            </a:r>
-          </a:p>
-        </p:txBody>
-      </p:sp>
-      <p:sp>
-        <p:nvSpPr>
-          <p:cNvPr id="9" name="Flowchart: Alternate Process 8"/>
-          <p:cNvSpPr/>
-          <p:nvPr/>
-        </p:nvSpPr>
-        <p:spPr>
-          <a:xfrm>
-            <a:off x="956758" y="2409729"/>
-            <a:ext cx="5080554" cy="2039825"/>
-          </a:xfrm>
-          <a:prstGeom prst="flowChartAlternateProcess">
-            <a:avLst/>
-          </a:prstGeom>
-        </p:spPr>
-        <p:style>
-          <a:lnRef idx="2">
-            <a:schemeClr val="accent1">
-              <a:shade val="50000"/>
-            </a:schemeClr>
-          </a:lnRef>
-          <a:fillRef idx="1">
-            <a:schemeClr val="accent1"/>
-          </a:fillRef>
-          <a:effectRef idx="0">
-            <a:schemeClr val="accent1"/>
-          </a:effectRef>
-          <a:fontRef idx="minor">
-            <a:schemeClr val="lt1"/>
-          </a:fontRef>
-        </p:style>
-        <p:txBody>
-          <a:bodyPr rtlCol="0" anchor="ctr"/>
-          <a:lstStyle/>
-          <a:p>
-            <a:r>
-              <a:rPr lang="en-US" b="1" u="sng" dirty="0" smtClean="0"/>
-              <a:t>Convention:</a:t>
-            </a:r>
-          </a:p>
-          <a:p>
-            <a:endParaRPr lang="en-US" b="1" u="sng" dirty="0"/>
-          </a:p>
-          <a:p>
-            <a:pPr marL="285750" indent="-285750">
-              <a:buFont typeface="Arial" panose="020B0604020202020204" pitchFamily="34" charset="0"/>
-              <a:buChar char="•"/>
-            </a:pPr>
-            <a:r>
-              <a:rPr lang="en-US" dirty="0" smtClean="0"/>
-              <a:t>Instance variable names … begins with “m”</a:t>
-            </a:r>
-          </a:p>
-          <a:p>
-            <a:pPr marL="285750" indent="-285750">
-              <a:buFont typeface="Arial" panose="020B0604020202020204" pitchFamily="34" charset="0"/>
-              <a:buChar char="•"/>
-            </a:pPr>
-            <a:r>
-              <a:rPr lang="en-US" dirty="0" smtClean="0"/>
-              <a:t>Private functions (not enforced by JavaScript), names begin with “_”</a:t>
-            </a:r>
-            <a:endParaRPr lang="en-US" dirty="0"/>
-          </a:p>
-        </p:txBody>
-      </p:sp>
-      <p:sp>
-        <p:nvSpPr>
           <p:cNvPr id="7" name="Rounded Rectangle 6"/>
           <p:cNvSpPr/>
           <p:nvPr/>
         </p:nvSpPr>
         <p:spPr>
           <a:xfrm>
-            <a:off x="3018142" y="6423183"/>
+            <a:off x="524878" y="4997811"/>
             <a:ext cx="5914769" cy="376049"/>
           </a:xfrm>
           <a:prstGeom prst="roundRect">
@@ -19440,9 +19337,9 @@
           <p:nvPr/>
         </p:nvSpPr>
         <p:spPr>
-          <a:xfrm rot="19627338">
-            <a:off x="2028398" y="3976911"/>
-            <a:ext cx="670182" cy="2630915"/>
+          <a:xfrm rot="892919">
+            <a:off x="4440213" y="2613076"/>
+            <a:ext cx="670182" cy="2529115"/>
           </a:xfrm>
           <a:prstGeom prst="downArrow">
             <a:avLst/>
@@ -19482,16 +19379,183 @@
           </a:p>
         </p:txBody>
       </p:sp>
+      <p:sp>
+        <p:nvSpPr>
+          <p:cNvPr id="10" name="Rounded Rectangle 9"/>
+          <p:cNvSpPr/>
+          <p:nvPr/>
+        </p:nvSpPr>
+        <p:spPr>
+          <a:xfrm>
+            <a:off x="6818885" y="1869998"/>
+            <a:ext cx="4447998" cy="1292998"/>
+          </a:xfrm>
+          <a:prstGeom prst="roundRect">
+            <a:avLst/>
+          </a:prstGeom>
+          <a:solidFill>
+            <a:schemeClr val="accent4">
+              <a:lumMod val="40000"/>
+              <a:lumOff val="60000"/>
+            </a:schemeClr>
+          </a:solidFill>
+        </p:spPr>
+        <p:style>
+          <a:lnRef idx="2">
+            <a:schemeClr val="accent1">
+              <a:shade val="50000"/>
+            </a:schemeClr>
+          </a:lnRef>
+          <a:fillRef idx="1">
+            <a:schemeClr val="accent1"/>
+          </a:fillRef>
+          <a:effectRef idx="0">
+            <a:schemeClr val="accent1"/>
+          </a:effectRef>
+          <a:fontRef idx="minor">
+            <a:schemeClr val="lt1"/>
+          </a:fontRef>
+        </p:style>
+        <p:txBody>
+          <a:bodyPr rtlCol="0" anchor="ctr"/>
+          <a:lstStyle/>
+          <a:p>
+            <a:pPr marL="342900" indent="-342900">
+              <a:buFont typeface="Arial" panose="020B0604020202020204" pitchFamily="34" charset="0"/>
+              <a:buChar char="•"/>
+            </a:pPr>
+            <a:r>
+              <a:rPr lang="en-US" sz="2000" dirty="0" smtClean="0">
+                <a:solidFill>
+                  <a:schemeClr val="tx1"/>
+                </a:solidFill>
+              </a:rPr>
+              <a:t>Constructor of </a:t>
+            </a:r>
+            <a:r>
+              <a:rPr lang="en-US" sz="2000" b="1" dirty="0" err="1" smtClean="0">
+                <a:solidFill>
+                  <a:schemeClr val="tx1"/>
+                </a:solidFill>
+              </a:rPr>
+              <a:t>SimpleShader</a:t>
+            </a:r>
+            <a:r>
+              <a:rPr lang="en-US" sz="2000" b="1" dirty="0" smtClean="0">
+                <a:solidFill>
+                  <a:schemeClr val="tx1"/>
+                </a:solidFill>
+              </a:rPr>
+              <a:t> </a:t>
+            </a:r>
+            <a:r>
+              <a:rPr lang="en-US" sz="2000" dirty="0" smtClean="0">
+                <a:solidFill>
+                  <a:schemeClr val="tx1"/>
+                </a:solidFill>
+              </a:rPr>
+              <a:t>object</a:t>
+            </a:r>
+          </a:p>
+          <a:p>
+            <a:pPr marL="342900" indent="-342900">
+              <a:buFont typeface="Arial" panose="020B0604020202020204" pitchFamily="34" charset="0"/>
+              <a:buChar char="•"/>
+            </a:pPr>
+            <a:r>
+              <a:rPr lang="en-US" sz="2000" dirty="0" smtClean="0">
+                <a:solidFill>
+                  <a:schemeClr val="tx1"/>
+                </a:solidFill>
+              </a:rPr>
+              <a:t>Notice the instance variables</a:t>
+            </a:r>
+          </a:p>
+        </p:txBody>
+      </p:sp>
+      <p:sp>
+        <p:nvSpPr>
+          <p:cNvPr id="9" name="Flowchart: Alternate Process 8"/>
+          <p:cNvSpPr/>
+          <p:nvPr/>
+        </p:nvSpPr>
+        <p:spPr>
+          <a:xfrm>
+            <a:off x="4955523" y="2916650"/>
+            <a:ext cx="5080554" cy="2039825"/>
+          </a:xfrm>
+          <a:prstGeom prst="flowChartAlternateProcess">
+            <a:avLst/>
+          </a:prstGeom>
+        </p:spPr>
+        <p:style>
+          <a:lnRef idx="2">
+            <a:schemeClr val="accent1">
+              <a:shade val="50000"/>
+            </a:schemeClr>
+          </a:lnRef>
+          <a:fillRef idx="1">
+            <a:schemeClr val="accent1"/>
+          </a:fillRef>
+          <a:effectRef idx="0">
+            <a:schemeClr val="accent1"/>
+          </a:effectRef>
+          <a:fontRef idx="minor">
+            <a:schemeClr val="lt1"/>
+          </a:fontRef>
+        </p:style>
+        <p:txBody>
+          <a:bodyPr rtlCol="0" anchor="ctr"/>
+          <a:lstStyle/>
+          <a:p>
+            <a:r>
+              <a:rPr lang="en-US" b="1" u="sng" dirty="0" smtClean="0"/>
+              <a:t>Convention:</a:t>
+            </a:r>
+          </a:p>
+          <a:p>
+            <a:endParaRPr lang="en-US" b="1" u="sng" dirty="0"/>
+          </a:p>
+          <a:p>
+            <a:pPr marL="285750" indent="-285750">
+              <a:buFont typeface="Arial" panose="020B0604020202020204" pitchFamily="34" charset="0"/>
+              <a:buChar char="•"/>
+            </a:pPr>
+            <a:r>
+              <a:rPr lang="en-US" dirty="0" smtClean="0"/>
+              <a:t>Instance variable names … begins with “m”</a:t>
+            </a:r>
+          </a:p>
+          <a:p>
+            <a:pPr marL="285750" indent="-285750">
+              <a:buFont typeface="Arial" panose="020B0604020202020204" pitchFamily="34" charset="0"/>
+              <a:buChar char="•"/>
+            </a:pPr>
+            <a:r>
+              <a:rPr lang="en-US" dirty="0" smtClean="0"/>
+              <a:t>Private functions (not enforced by JavaScript), names begin with “_”</a:t>
+            </a:r>
+            <a:endParaRPr lang="en-US" dirty="0"/>
+          </a:p>
+        </p:txBody>
+      </p:sp>
     </p:spTree>
     <p:extLst>
       <p:ext uri="{BB962C8B-B14F-4D97-AF65-F5344CB8AC3E}">
-        <p14:creationId xmlns:p14="http://schemas.microsoft.com/office/powerpoint/2010/main" val="676108223"/>
+        <p14:creationId xmlns:p14="http://schemas.microsoft.com/office/powerpoint/2010/main" val="3192476535"/>
       </p:ext>
     </p:extLst>
   </p:cSld>
   <p:clrMapOvr>
     <a:masterClrMapping/>
   </p:clrMapOvr>
+  <p:timing>
+    <p:tnLst>
+      <p:par>
+        <p:cTn id="1" dur="indefinite" restart="never" nodeType="tmRoot"/>
+      </p:par>
+    </p:tnLst>
+  </p:timing>
 </p:sld>
 </file>
 
@@ -19853,6 +19917,30 @@
           <a:chExt cx="0" cy="0"/>
         </a:xfrm>
       </p:grpSpPr>
+      <p:pic>
+        <p:nvPicPr>
+          <p:cNvPr id="9" name="Picture 8"/>
+          <p:cNvPicPr>
+            <a:picLocks noChangeAspect="1"/>
+          </p:cNvPicPr>
+          <p:nvPr/>
+        </p:nvPicPr>
+        <p:blipFill>
+          <a:blip r:embed="rId2"/>
+          <a:stretch>
+            <a:fillRect/>
+          </a:stretch>
+        </p:blipFill>
+        <p:spPr>
+          <a:xfrm>
+            <a:off x="810958" y="1423797"/>
+            <a:ext cx="9077325" cy="4705350"/>
+          </a:xfrm>
+          <a:prstGeom prst="rect">
+            <a:avLst/>
+          </a:prstGeom>
+        </p:spPr>
+      </p:pic>
       <p:sp>
         <p:nvSpPr>
           <p:cNvPr id="2" name="Title 1"/>
@@ -19873,56 +19961,31 @@
               <a:t>2.4: The </a:t>
             </a:r>
             <a:r>
+              <a:rPr lang="en-US" dirty="0" smtClean="0"/>
+              <a:t>SimpleShader::</a:t>
+            </a:r>
+            <a:r>
+              <a:rPr lang="en-US" dirty="0" err="1"/>
+              <a:t>a</a:t>
+            </a:r>
+            <a:r>
               <a:rPr lang="en-US" dirty="0" err="1" smtClean="0"/>
-              <a:t>SimpleShader</a:t>
-            </a:r>
-            <a:r>
-              <a:rPr lang="en-US" dirty="0" smtClean="0"/>
-              <a:t> object</a:t>
+              <a:t>ctivateShader</a:t>
             </a:r>
             <a:endParaRPr lang="en-US" dirty="0"/>
           </a:p>
         </p:txBody>
       </p:sp>
-      <p:pic>
-        <p:nvPicPr>
-          <p:cNvPr id="4" name="Content Placeholder 3" descr="Screen Clipping"/>
-          <p:cNvPicPr>
-            <a:picLocks noGrp="1" noChangeAspect="1"/>
-          </p:cNvPicPr>
-          <p:nvPr>
-            <p:ph idx="1"/>
-          </p:nvPr>
-        </p:nvPicPr>
-        <p:blipFill>
-          <a:blip r:embed="rId2">
-            <a:extLst>
-              <a:ext uri="{28A0092B-C50C-407E-A947-70E740481C1C}">
-                <a14:useLocalDpi xmlns:a14="http://schemas.microsoft.com/office/drawing/2010/main" val="0"/>
-              </a:ext>
-            </a:extLst>
-          </a:blip>
-          <a:stretch>
-            <a:fillRect/>
-          </a:stretch>
-        </p:blipFill>
-        <p:spPr>
-          <a:xfrm>
-            <a:off x="880791" y="1291751"/>
-            <a:ext cx="8598300" cy="5451021"/>
-          </a:xfrm>
-        </p:spPr>
-      </p:pic>
-      <p:sp>
-        <p:nvSpPr>
-          <p:cNvPr id="5" name="Rounded Rectangle 4"/>
+      <p:sp>
+        <p:nvSpPr>
+          <p:cNvPr id="7" name="Rounded Rectangle 6"/>
           <p:cNvSpPr/>
           <p:nvPr/>
         </p:nvSpPr>
         <p:spPr>
           <a:xfrm>
-            <a:off x="724569" y="1235291"/>
-            <a:ext cx="5914769" cy="1382023"/>
+            <a:off x="919641" y="2808286"/>
+            <a:ext cx="8553543" cy="3090499"/>
           </a:xfrm>
           <a:prstGeom prst="roundRect">
             <a:avLst/>
@@ -19962,154 +20025,13 @@
       </p:sp>
       <p:sp>
         <p:nvSpPr>
-          <p:cNvPr id="6" name="Rounded Rectangle 5"/>
-          <p:cNvSpPr/>
-          <p:nvPr/>
-        </p:nvSpPr>
-        <p:spPr>
-          <a:xfrm>
-            <a:off x="5599044" y="1785293"/>
-            <a:ext cx="4447998" cy="1292998"/>
-          </a:xfrm>
-          <a:prstGeom prst="roundRect">
-            <a:avLst/>
-          </a:prstGeom>
-          <a:solidFill>
-            <a:schemeClr val="accent4">
-              <a:lumMod val="40000"/>
-              <a:lumOff val="60000"/>
-            </a:schemeClr>
-          </a:solidFill>
-        </p:spPr>
-        <p:style>
-          <a:lnRef idx="2">
-            <a:schemeClr val="accent1">
-              <a:shade val="50000"/>
-            </a:schemeClr>
-          </a:lnRef>
-          <a:fillRef idx="1">
-            <a:schemeClr val="accent1"/>
-          </a:fillRef>
-          <a:effectRef idx="0">
-            <a:schemeClr val="accent1"/>
-          </a:effectRef>
-          <a:fontRef idx="minor">
-            <a:schemeClr val="lt1"/>
-          </a:fontRef>
-        </p:style>
-        <p:txBody>
-          <a:bodyPr rtlCol="0" anchor="ctr"/>
-          <a:lstStyle/>
-          <a:p>
-            <a:pPr marL="342900" indent="-342900">
-              <a:buFont typeface="Arial" panose="020B0604020202020204" pitchFamily="34" charset="0"/>
-              <a:buChar char="•"/>
-            </a:pPr>
-            <a:r>
-              <a:rPr lang="en-US" sz="2000" dirty="0" smtClean="0">
-                <a:solidFill>
-                  <a:schemeClr val="tx1"/>
-                </a:solidFill>
-              </a:rPr>
-              <a:t>Constructor of </a:t>
-            </a:r>
-            <a:r>
-              <a:rPr lang="en-US" sz="2000" b="1" dirty="0" err="1" smtClean="0">
-                <a:solidFill>
-                  <a:schemeClr val="tx1"/>
-                </a:solidFill>
-              </a:rPr>
-              <a:t>SimpleShader</a:t>
-            </a:r>
-            <a:r>
-              <a:rPr lang="en-US" sz="2000" b="1" dirty="0" smtClean="0">
-                <a:solidFill>
-                  <a:schemeClr val="tx1"/>
-                </a:solidFill>
-              </a:rPr>
-              <a:t> </a:t>
-            </a:r>
-            <a:r>
-              <a:rPr lang="en-US" sz="2000" dirty="0" smtClean="0">
-                <a:solidFill>
-                  <a:schemeClr val="tx1"/>
-                </a:solidFill>
-              </a:rPr>
-              <a:t>object</a:t>
-            </a:r>
-          </a:p>
-          <a:p>
-            <a:pPr marL="342900" indent="-342900">
-              <a:buFont typeface="Arial" panose="020B0604020202020204" pitchFamily="34" charset="0"/>
-              <a:buChar char="•"/>
-            </a:pPr>
-            <a:r>
-              <a:rPr lang="en-US" sz="2000" dirty="0" smtClean="0">
-                <a:solidFill>
-                  <a:schemeClr val="tx1"/>
-                </a:solidFill>
-              </a:rPr>
-              <a:t>Notice the instance variables</a:t>
-            </a:r>
-          </a:p>
-        </p:txBody>
-      </p:sp>
-      <p:sp>
-        <p:nvSpPr>
-          <p:cNvPr id="7" name="Rounded Rectangle 6"/>
-          <p:cNvSpPr/>
-          <p:nvPr/>
-        </p:nvSpPr>
-        <p:spPr>
-          <a:xfrm>
-            <a:off x="724569" y="4460302"/>
-            <a:ext cx="6726939" cy="1382023"/>
-          </a:xfrm>
-          <a:prstGeom prst="roundRect">
-            <a:avLst/>
-          </a:prstGeom>
-          <a:noFill/>
-          <a:ln w="107950">
-            <a:solidFill>
-              <a:srgbClr val="FF0000"/>
-            </a:solidFill>
-            <a:prstDash val="sysDash"/>
-          </a:ln>
-        </p:spPr>
-        <p:style>
-          <a:lnRef idx="2">
-            <a:schemeClr val="accent1">
-              <a:shade val="50000"/>
-            </a:schemeClr>
-          </a:lnRef>
-          <a:fillRef idx="1">
-            <a:schemeClr val="accent1"/>
-          </a:fillRef>
-          <a:effectRef idx="0">
-            <a:schemeClr val="accent1"/>
-          </a:effectRef>
-          <a:fontRef idx="minor">
-            <a:schemeClr val="lt1"/>
-          </a:fontRef>
-        </p:style>
-        <p:txBody>
-          <a:bodyPr rtlCol="0" anchor="ctr"/>
-          <a:lstStyle/>
-          <a:p>
-            <a:pPr algn="ctr"/>
-            <a:endParaRPr lang="en-US"/>
-          </a:p>
-        </p:txBody>
-      </p:sp>
-      <p:sp>
-        <p:nvSpPr>
           <p:cNvPr id="8" name="Rounded Rectangle 7"/>
           <p:cNvSpPr/>
           <p:nvPr/>
         </p:nvSpPr>
         <p:spPr>
           <a:xfrm>
-            <a:off x="7255092" y="4605787"/>
+            <a:off x="6933044" y="1632451"/>
             <a:ext cx="4447998" cy="1292998"/>
           </a:xfrm>
           <a:prstGeom prst="roundRect">
@@ -20179,8 +20101,43 @@
                   <a:schemeClr val="tx1"/>
                 </a:solidFill>
               </a:rPr>
-              <a:t>Bind to the unit square vertex</a:t>
-            </a:r>
+              <a:t>Bind to the unit square </a:t>
+            </a:r>
+            <a:r>
+              <a:rPr lang="en-US" sz="2000" dirty="0" smtClean="0">
+                <a:solidFill>
+                  <a:schemeClr val="tx1"/>
+                </a:solidFill>
+              </a:rPr>
+              <a:t>vertex</a:t>
+            </a:r>
+          </a:p>
+          <a:p>
+            <a:pPr marL="342900" indent="-342900">
+              <a:buFont typeface="Arial" panose="020B0604020202020204" pitchFamily="34" charset="0"/>
+              <a:buChar char="•"/>
+            </a:pPr>
+            <a:r>
+              <a:rPr lang="en-US" sz="2000" dirty="0" smtClean="0">
+                <a:solidFill>
+                  <a:schemeClr val="tx1"/>
+                </a:solidFill>
+              </a:rPr>
+              <a:t>(Different from </a:t>
+            </a:r>
+            <a:r>
+              <a:rPr lang="en-US" sz="2000" smtClean="0">
+                <a:solidFill>
+                  <a:schemeClr val="tx1"/>
+                </a:solidFill>
+              </a:rPr>
+              <a:t>the textbook!!)</a:t>
+            </a:r>
+            <a:endParaRPr lang="en-US" sz="2000" dirty="0" smtClean="0">
+              <a:solidFill>
+                <a:schemeClr val="tx1"/>
+              </a:solidFill>
+            </a:endParaRPr>
           </a:p>
         </p:txBody>
       </p:sp>
@@ -20194,6 +20151,13 @@
   <p:clrMapOvr>
     <a:masterClrMapping/>
   </p:clrMapOvr>
+  <p:timing>
+    <p:tnLst>
+      <p:par>
+        <p:cTn id="1" dur="indefinite" restart="never" nodeType="tmRoot"/>
+      </p:par>
+    </p:tnLst>
+  </p:timing>
 </p:sld>
 </file>
 
@@ -20368,6 +20332,13 @@
   <p:clrMapOvr>
     <a:masterClrMapping/>
   </p:clrMapOvr>
+  <p:timing>
+    <p:tnLst>
+      <p:par>
+        <p:cTn id="1" dur="indefinite" restart="never" nodeType="tmRoot"/>
+      </p:par>
+    </p:tnLst>
+  </p:timing>
 </p:sld>
 </file>
 
@@ -20455,6 +20426,13 @@
   <p:clrMapOvr>
     <a:masterClrMapping/>
   </p:clrMapOvr>
+  <p:timing>
+    <p:tnLst>
+      <p:par>
+        <p:cTn id="1" dur="indefinite" restart="never" nodeType="tmRoot"/>
+      </p:par>
+    </p:tnLst>
+  </p:timing>
 </p:sld>
 </file>
 
